--- a/All Sub PPT/basic.pptx
+++ b/All Sub PPT/basic.pptx
@@ -5,7 +5,7 @@
     <p:sldMasterId id="2147483648" r:id="rId1"/>
   </p:sldMasterIdLst>
   <p:notesMasterIdLst>
-    <p:notesMasterId r:id="rId24"/>
+    <p:notesMasterId r:id="rId26"/>
   </p:notesMasterIdLst>
   <p:sldIdLst>
     <p:sldId id="256" r:id="rId2"/>
@@ -30,6 +30,8 @@
     <p:sldId id="286" r:id="rId21"/>
     <p:sldId id="287" r:id="rId22"/>
     <p:sldId id="288" r:id="rId23"/>
+    <p:sldId id="289" r:id="rId24"/>
+    <p:sldId id="290" r:id="rId25"/>
   </p:sldIdLst>
   <p:sldSz cx="9144000" cy="6858000" type="screen4x3"/>
   <p:notesSz cx="6858000" cy="9144000"/>
@@ -229,7 +231,7 @@
           <a:p>
             <a:fld id="{CFFD9D12-9B57-4CA2-923D-2E5E9D42F82F}" type="datetimeFigureOut">
               <a:rPr lang="en-US" smtClean="0"/>
-              <a:t>12/21/2022</a:t>
+              <a:t>1/13/2023</a:t>
             </a:fld>
             <a:endParaRPr lang="en-US"/>
           </a:p>
@@ -580,6 +582,174 @@
 </p:notes>
 </file>
 
+<file path=ppt/notesSlides/notesSlide2.xml><?xml version="1.0" encoding="utf-8"?>
+<p:notes xmlns:a="http://schemas.openxmlformats.org/drawingml/2006/main" xmlns:r="http://schemas.openxmlformats.org/officeDocument/2006/relationships" xmlns:p="http://schemas.openxmlformats.org/presentationml/2006/main">
+  <p:cSld>
+    <p:spTree>
+      <p:nvGrpSpPr>
+        <p:cNvPr id="1" name=""/>
+        <p:cNvGrpSpPr/>
+        <p:nvPr/>
+      </p:nvGrpSpPr>
+      <p:grpSpPr>
+        <a:xfrm>
+          <a:off x="0" y="0"/>
+          <a:ext cx="0" cy="0"/>
+          <a:chOff x="0" y="0"/>
+          <a:chExt cx="0" cy="0"/>
+        </a:xfrm>
+      </p:grpSpPr>
+      <p:sp>
+        <p:nvSpPr>
+          <p:cNvPr id="2" name="Slide Image Placeholder 1"/>
+          <p:cNvSpPr>
+            <a:spLocks noGrp="1" noRot="1" noChangeAspect="1"/>
+          </p:cNvSpPr>
+          <p:nvPr>
+            <p:ph type="sldImg"/>
+          </p:nvPr>
+        </p:nvSpPr>
+        <p:spPr/>
+      </p:sp>
+      <p:sp>
+        <p:nvSpPr>
+          <p:cNvPr id="3" name="Notes Placeholder 2"/>
+          <p:cNvSpPr>
+            <a:spLocks noGrp="1"/>
+          </p:cNvSpPr>
+          <p:nvPr>
+            <p:ph type="body" idx="1"/>
+          </p:nvPr>
+        </p:nvSpPr>
+        <p:spPr/>
+        <p:txBody>
+          <a:bodyPr/>
+          <a:lstStyle/>
+          <a:p>
+            <a:endParaRPr lang="en-US" dirty="0"/>
+          </a:p>
+        </p:txBody>
+      </p:sp>
+      <p:sp>
+        <p:nvSpPr>
+          <p:cNvPr id="4" name="Slide Number Placeholder 3"/>
+          <p:cNvSpPr>
+            <a:spLocks noGrp="1"/>
+          </p:cNvSpPr>
+          <p:nvPr>
+            <p:ph type="sldNum" sz="quarter" idx="10"/>
+          </p:nvPr>
+        </p:nvSpPr>
+        <p:spPr/>
+        <p:txBody>
+          <a:bodyPr/>
+          <a:lstStyle/>
+          <a:p>
+            <a:fld id="{49159C75-30F5-45C0-B9A6-AFB3BEC7162C}" type="slidenum">
+              <a:rPr lang="en-US" smtClean="0"/>
+              <a:t>23</a:t>
+            </a:fld>
+            <a:endParaRPr lang="en-US"/>
+          </a:p>
+        </p:txBody>
+      </p:sp>
+    </p:spTree>
+    <p:extLst>
+      <p:ext uri="{BB962C8B-B14F-4D97-AF65-F5344CB8AC3E}">
+        <p14:creationId xmlns:p14="http://schemas.microsoft.com/office/powerpoint/2010/main" val="4224255534"/>
+      </p:ext>
+    </p:extLst>
+  </p:cSld>
+  <p:clrMapOvr>
+    <a:masterClrMapping/>
+  </p:clrMapOvr>
+</p:notes>
+</file>
+
+<file path=ppt/notesSlides/notesSlide3.xml><?xml version="1.0" encoding="utf-8"?>
+<p:notes xmlns:a="http://schemas.openxmlformats.org/drawingml/2006/main" xmlns:r="http://schemas.openxmlformats.org/officeDocument/2006/relationships" xmlns:p="http://schemas.openxmlformats.org/presentationml/2006/main">
+  <p:cSld>
+    <p:spTree>
+      <p:nvGrpSpPr>
+        <p:cNvPr id="1" name=""/>
+        <p:cNvGrpSpPr/>
+        <p:nvPr/>
+      </p:nvGrpSpPr>
+      <p:grpSpPr>
+        <a:xfrm>
+          <a:off x="0" y="0"/>
+          <a:ext cx="0" cy="0"/>
+          <a:chOff x="0" y="0"/>
+          <a:chExt cx="0" cy="0"/>
+        </a:xfrm>
+      </p:grpSpPr>
+      <p:sp>
+        <p:nvSpPr>
+          <p:cNvPr id="2" name="Slide Image Placeholder 1"/>
+          <p:cNvSpPr>
+            <a:spLocks noGrp="1" noRot="1" noChangeAspect="1"/>
+          </p:cNvSpPr>
+          <p:nvPr>
+            <p:ph type="sldImg"/>
+          </p:nvPr>
+        </p:nvSpPr>
+        <p:spPr/>
+      </p:sp>
+      <p:sp>
+        <p:nvSpPr>
+          <p:cNvPr id="3" name="Notes Placeholder 2"/>
+          <p:cNvSpPr>
+            <a:spLocks noGrp="1"/>
+          </p:cNvSpPr>
+          <p:nvPr>
+            <p:ph type="body" idx="1"/>
+          </p:nvPr>
+        </p:nvSpPr>
+        <p:spPr/>
+        <p:txBody>
+          <a:bodyPr/>
+          <a:lstStyle/>
+          <a:p>
+            <a:endParaRPr lang="en-US" dirty="0"/>
+          </a:p>
+        </p:txBody>
+      </p:sp>
+      <p:sp>
+        <p:nvSpPr>
+          <p:cNvPr id="4" name="Slide Number Placeholder 3"/>
+          <p:cNvSpPr>
+            <a:spLocks noGrp="1"/>
+          </p:cNvSpPr>
+          <p:nvPr>
+            <p:ph type="sldNum" sz="quarter" idx="10"/>
+          </p:nvPr>
+        </p:nvSpPr>
+        <p:spPr/>
+        <p:txBody>
+          <a:bodyPr/>
+          <a:lstStyle/>
+          <a:p>
+            <a:fld id="{49159C75-30F5-45C0-B9A6-AFB3BEC7162C}" type="slidenum">
+              <a:rPr lang="en-US" smtClean="0"/>
+              <a:t>24</a:t>
+            </a:fld>
+            <a:endParaRPr lang="en-US"/>
+          </a:p>
+        </p:txBody>
+      </p:sp>
+    </p:spTree>
+    <p:extLst>
+      <p:ext uri="{BB962C8B-B14F-4D97-AF65-F5344CB8AC3E}">
+        <p14:creationId xmlns:p14="http://schemas.microsoft.com/office/powerpoint/2010/main" val="3371394361"/>
+      </p:ext>
+    </p:extLst>
+  </p:cSld>
+  <p:clrMapOvr>
+    <a:masterClrMapping/>
+  </p:clrMapOvr>
+</p:notes>
+</file>
+
 <file path=ppt/slideLayouts/slideLayout1.xml><?xml version="1.0" encoding="utf-8"?>
 <p:sldLayout xmlns:a="http://schemas.openxmlformats.org/drawingml/2006/main" xmlns:r="http://schemas.openxmlformats.org/officeDocument/2006/relationships" xmlns:p="http://schemas.openxmlformats.org/presentationml/2006/main" type="title" preserve="1">
   <p:cSld name="Title Slide">
@@ -759,7 +929,7 @@
           <a:p>
             <a:fld id="{DC734893-CBB3-45E3-9500-0C4521E90A0F}" type="datetimeFigureOut">
               <a:rPr lang="en-US" smtClean="0"/>
-              <a:t>12/21/2022</a:t>
+              <a:t>1/13/2023</a:t>
             </a:fld>
             <a:endParaRPr lang="en-US" dirty="0"/>
           </a:p>
@@ -927,7 +1097,7 @@
           <a:p>
             <a:fld id="{DC734893-CBB3-45E3-9500-0C4521E90A0F}" type="datetimeFigureOut">
               <a:rPr lang="en-US" smtClean="0"/>
-              <a:t>12/21/2022</a:t>
+              <a:t>1/13/2023</a:t>
             </a:fld>
             <a:endParaRPr lang="en-US" dirty="0"/>
           </a:p>
@@ -1105,7 +1275,7 @@
           <a:p>
             <a:fld id="{DC734893-CBB3-45E3-9500-0C4521E90A0F}" type="datetimeFigureOut">
               <a:rPr lang="en-US" smtClean="0"/>
-              <a:t>12/21/2022</a:t>
+              <a:t>1/13/2023</a:t>
             </a:fld>
             <a:endParaRPr lang="en-US" dirty="0"/>
           </a:p>
@@ -1273,7 +1443,7 @@
           <a:p>
             <a:fld id="{DC734893-CBB3-45E3-9500-0C4521E90A0F}" type="datetimeFigureOut">
               <a:rPr lang="en-US" smtClean="0"/>
-              <a:t>12/21/2022</a:t>
+              <a:t>1/13/2023</a:t>
             </a:fld>
             <a:endParaRPr lang="en-US" dirty="0"/>
           </a:p>
@@ -1518,7 +1688,7 @@
           <a:p>
             <a:fld id="{DC734893-CBB3-45E3-9500-0C4521E90A0F}" type="datetimeFigureOut">
               <a:rPr lang="en-US" smtClean="0"/>
-              <a:t>12/21/2022</a:t>
+              <a:t>1/13/2023</a:t>
             </a:fld>
             <a:endParaRPr lang="en-US" dirty="0"/>
           </a:p>
@@ -1803,7 +1973,7 @@
           <a:p>
             <a:fld id="{DC734893-CBB3-45E3-9500-0C4521E90A0F}" type="datetimeFigureOut">
               <a:rPr lang="en-US" smtClean="0"/>
-              <a:t>12/21/2022</a:t>
+              <a:t>1/13/2023</a:t>
             </a:fld>
             <a:endParaRPr lang="en-US" dirty="0"/>
           </a:p>
@@ -2222,7 +2392,7 @@
           <a:p>
             <a:fld id="{DC734893-CBB3-45E3-9500-0C4521E90A0F}" type="datetimeFigureOut">
               <a:rPr lang="en-US" smtClean="0"/>
-              <a:t>12/21/2022</a:t>
+              <a:t>1/13/2023</a:t>
             </a:fld>
             <a:endParaRPr lang="en-US" dirty="0"/>
           </a:p>
@@ -2339,7 +2509,7 @@
           <a:p>
             <a:fld id="{DC734893-CBB3-45E3-9500-0C4521E90A0F}" type="datetimeFigureOut">
               <a:rPr lang="en-US" smtClean="0"/>
-              <a:t>12/21/2022</a:t>
+              <a:t>1/13/2023</a:t>
             </a:fld>
             <a:endParaRPr lang="en-US" dirty="0"/>
           </a:p>
@@ -2434,7 +2604,7 @@
           <a:p>
             <a:fld id="{DC734893-CBB3-45E3-9500-0C4521E90A0F}" type="datetimeFigureOut">
               <a:rPr lang="en-US" smtClean="0"/>
-              <a:t>12/21/2022</a:t>
+              <a:t>1/13/2023</a:t>
             </a:fld>
             <a:endParaRPr lang="en-US" dirty="0"/>
           </a:p>
@@ -2709,7 +2879,7 @@
           <a:p>
             <a:fld id="{DC734893-CBB3-45E3-9500-0C4521E90A0F}" type="datetimeFigureOut">
               <a:rPr lang="en-US" smtClean="0"/>
-              <a:t>12/21/2022</a:t>
+              <a:t>1/13/2023</a:t>
             </a:fld>
             <a:endParaRPr lang="en-US" dirty="0"/>
           </a:p>
@@ -2961,7 +3131,7 @@
           <a:p>
             <a:fld id="{DC734893-CBB3-45E3-9500-0C4521E90A0F}" type="datetimeFigureOut">
               <a:rPr lang="en-US" smtClean="0"/>
-              <a:t>12/21/2022</a:t>
+              <a:t>1/13/2023</a:t>
             </a:fld>
             <a:endParaRPr lang="en-US" dirty="0"/>
           </a:p>
@@ -3177,7 +3347,7 @@
           <a:p>
             <a:fld id="{DC734893-CBB3-45E3-9500-0C4521E90A0F}" type="datetimeFigureOut">
               <a:rPr lang="en-US" smtClean="0"/>
-              <a:t>12/21/2022</a:t>
+              <a:t>1/13/2023</a:t>
             </a:fld>
             <a:endParaRPr lang="en-US" dirty="0"/>
           </a:p>
@@ -4948,6 +5118,647 @@
     <p:extLst>
       <p:ext uri="{BB962C8B-B14F-4D97-AF65-F5344CB8AC3E}">
         <p14:creationId xmlns:p14="http://schemas.microsoft.com/office/powerpoint/2010/main" val="936398764"/>
+      </p:ext>
+    </p:extLst>
+  </p:cSld>
+  <p:clrMapOvr>
+    <a:masterClrMapping/>
+  </p:clrMapOvr>
+</p:sld>
+</file>
+
+<file path=ppt/slides/slide23.xml><?xml version="1.0" encoding="utf-8"?>
+<p:sld xmlns:a="http://schemas.openxmlformats.org/drawingml/2006/main" xmlns:r="http://schemas.openxmlformats.org/officeDocument/2006/relationships" xmlns:p="http://schemas.openxmlformats.org/presentationml/2006/main">
+  <p:cSld>
+    <p:spTree>
+      <p:nvGrpSpPr>
+        <p:cNvPr id="1" name=""/>
+        <p:cNvGrpSpPr/>
+        <p:nvPr/>
+      </p:nvGrpSpPr>
+      <p:grpSpPr>
+        <a:xfrm>
+          <a:off x="0" y="0"/>
+          <a:ext cx="0" cy="0"/>
+          <a:chOff x="0" y="0"/>
+          <a:chExt cx="0" cy="0"/>
+        </a:xfrm>
+      </p:grpSpPr>
+      <p:sp>
+        <p:nvSpPr>
+          <p:cNvPr id="4" name="Title 1"/>
+          <p:cNvSpPr>
+            <a:spLocks noGrp="1"/>
+          </p:cNvSpPr>
+          <p:nvPr>
+            <p:ph type="title"/>
+          </p:nvPr>
+        </p:nvSpPr>
+        <p:spPr>
+          <a:xfrm>
+            <a:off x="457200" y="152400"/>
+            <a:ext cx="8229600" cy="639762"/>
+          </a:xfrm>
+        </p:spPr>
+        <p:txBody>
+          <a:bodyPr>
+            <a:normAutofit fontScale="90000"/>
+          </a:bodyPr>
+          <a:lstStyle/>
+          <a:p>
+            <a:r>
+              <a:rPr lang="en-US" b="1" u="sng" dirty="0"/>
+              <a:t>Folder Creation </a:t>
+            </a:r>
+          </a:p>
+        </p:txBody>
+      </p:sp>
+      <p:sp>
+        <p:nvSpPr>
+          <p:cNvPr id="2" name="Rectangle 1">
+            <a:extLst>
+              <a:ext uri="{FF2B5EF4-FFF2-40B4-BE49-F238E27FC236}">
+                <a16:creationId xmlns:a16="http://schemas.microsoft.com/office/drawing/2014/main" id="{7283CF18-D8EC-A642-5A05-701E28C9E435}"/>
+              </a:ext>
+            </a:extLst>
+          </p:cNvPr>
+          <p:cNvSpPr>
+            <a:spLocks noChangeArrowheads="1"/>
+          </p:cNvSpPr>
+          <p:nvPr/>
+        </p:nvSpPr>
+        <p:spPr bwMode="auto">
+          <a:xfrm>
+            <a:off x="76200" y="897782"/>
+            <a:ext cx="9144000" cy="5823454"/>
+          </a:xfrm>
+          <a:prstGeom prst="rect">
+            <a:avLst/>
+          </a:prstGeom>
+          <a:solidFill>
+            <a:srgbClr val="FFFFFF"/>
+          </a:solidFill>
+          <a:ln>
+            <a:noFill/>
+          </a:ln>
+          <a:effectLst/>
+          <a:extLst>
+            <a:ext uri="{91240B29-F687-4F45-9708-019B960494DF}">
+              <a14:hiddenLine xmlns:a14="http://schemas.microsoft.com/office/drawing/2010/main" w="9525">
+                <a:solidFill>
+                  <a:schemeClr val="tx1"/>
+                </a:solidFill>
+                <a:miter lim="800000"/>
+                <a:headEnd/>
+                <a:tailEnd/>
+              </a14:hiddenLine>
+            </a:ext>
+            <a:ext uri="{AF507438-7753-43E0-B8FC-AC1667EBCBE1}">
+              <a14:hiddenEffects xmlns:a14="http://schemas.microsoft.com/office/drawing/2010/main">
+                <a:effectLst>
+                  <a:outerShdw dist="35921" dir="2700000" algn="ctr" rotWithShape="0">
+                    <a:schemeClr val="bg2"/>
+                  </a:outerShdw>
+                </a:effectLst>
+              </a14:hiddenEffects>
+            </a:ext>
+          </a:extLst>
+        </p:spPr>
+        <p:txBody>
+          <a:bodyPr vert="horz" wrap="square" lIns="91440" tIns="45720" rIns="91440" bIns="45720" numCol="1" anchor="ctr" anchorCtr="0" compatLnSpc="1">
+            <a:prstTxWarp prst="textNoShape">
+              <a:avLst/>
+            </a:prstTxWarp>
+            <a:spAutoFit/>
+          </a:bodyPr>
+          <a:lstStyle>
+            <a:lvl1pPr eaLnBrk="0" fontAlgn="base" hangingPunct="0">
+              <a:spcBef>
+                <a:spcPct val="0"/>
+              </a:spcBef>
+              <a:spcAft>
+                <a:spcPct val="0"/>
+              </a:spcAft>
+              <a:defRPr>
+                <a:solidFill>
+                  <a:schemeClr val="tx1"/>
+                </a:solidFill>
+                <a:latin typeface="Arial" panose="020B0604020202020204" pitchFamily="34" charset="0"/>
+              </a:defRPr>
+            </a:lvl1pPr>
+            <a:lvl2pPr eaLnBrk="0" fontAlgn="base" hangingPunct="0">
+              <a:spcBef>
+                <a:spcPct val="0"/>
+              </a:spcBef>
+              <a:spcAft>
+                <a:spcPct val="0"/>
+              </a:spcAft>
+              <a:defRPr>
+                <a:solidFill>
+                  <a:schemeClr val="tx1"/>
+                </a:solidFill>
+                <a:latin typeface="Arial" panose="020B0604020202020204" pitchFamily="34" charset="0"/>
+              </a:defRPr>
+            </a:lvl2pPr>
+            <a:lvl3pPr eaLnBrk="0" fontAlgn="base" hangingPunct="0">
+              <a:spcBef>
+                <a:spcPct val="0"/>
+              </a:spcBef>
+              <a:spcAft>
+                <a:spcPct val="0"/>
+              </a:spcAft>
+              <a:defRPr>
+                <a:solidFill>
+                  <a:schemeClr val="tx1"/>
+                </a:solidFill>
+                <a:latin typeface="Arial" panose="020B0604020202020204" pitchFamily="34" charset="0"/>
+              </a:defRPr>
+            </a:lvl3pPr>
+            <a:lvl4pPr eaLnBrk="0" fontAlgn="base" hangingPunct="0">
+              <a:spcBef>
+                <a:spcPct val="0"/>
+              </a:spcBef>
+              <a:spcAft>
+                <a:spcPct val="0"/>
+              </a:spcAft>
+              <a:defRPr>
+                <a:solidFill>
+                  <a:schemeClr val="tx1"/>
+                </a:solidFill>
+                <a:latin typeface="Arial" panose="020B0604020202020204" pitchFamily="34" charset="0"/>
+              </a:defRPr>
+            </a:lvl4pPr>
+            <a:lvl5pPr eaLnBrk="0" fontAlgn="base" hangingPunct="0">
+              <a:spcBef>
+                <a:spcPct val="0"/>
+              </a:spcBef>
+              <a:spcAft>
+                <a:spcPct val="0"/>
+              </a:spcAft>
+              <a:defRPr>
+                <a:solidFill>
+                  <a:schemeClr val="tx1"/>
+                </a:solidFill>
+                <a:latin typeface="Arial" panose="020B0604020202020204" pitchFamily="34" charset="0"/>
+              </a:defRPr>
+            </a:lvl5pPr>
+            <a:lvl6pPr eaLnBrk="0" fontAlgn="base" hangingPunct="0">
+              <a:spcBef>
+                <a:spcPct val="0"/>
+              </a:spcBef>
+              <a:spcAft>
+                <a:spcPct val="0"/>
+              </a:spcAft>
+              <a:defRPr>
+                <a:solidFill>
+                  <a:schemeClr val="tx1"/>
+                </a:solidFill>
+                <a:latin typeface="Arial" panose="020B0604020202020204" pitchFamily="34" charset="0"/>
+              </a:defRPr>
+            </a:lvl6pPr>
+            <a:lvl7pPr eaLnBrk="0" fontAlgn="base" hangingPunct="0">
+              <a:spcBef>
+                <a:spcPct val="0"/>
+              </a:spcBef>
+              <a:spcAft>
+                <a:spcPct val="0"/>
+              </a:spcAft>
+              <a:defRPr>
+                <a:solidFill>
+                  <a:schemeClr val="tx1"/>
+                </a:solidFill>
+                <a:latin typeface="Arial" panose="020B0604020202020204" pitchFamily="34" charset="0"/>
+              </a:defRPr>
+            </a:lvl7pPr>
+            <a:lvl8pPr eaLnBrk="0" fontAlgn="base" hangingPunct="0">
+              <a:spcBef>
+                <a:spcPct val="0"/>
+              </a:spcBef>
+              <a:spcAft>
+                <a:spcPct val="0"/>
+              </a:spcAft>
+              <a:defRPr>
+                <a:solidFill>
+                  <a:schemeClr val="tx1"/>
+                </a:solidFill>
+                <a:latin typeface="Arial" panose="020B0604020202020204" pitchFamily="34" charset="0"/>
+              </a:defRPr>
+            </a:lvl8pPr>
+            <a:lvl9pPr eaLnBrk="0" fontAlgn="base" hangingPunct="0">
+              <a:spcBef>
+                <a:spcPct val="0"/>
+              </a:spcBef>
+              <a:spcAft>
+                <a:spcPct val="0"/>
+              </a:spcAft>
+              <a:defRPr>
+                <a:solidFill>
+                  <a:schemeClr val="tx1"/>
+                </a:solidFill>
+                <a:latin typeface="Arial" panose="020B0604020202020204" pitchFamily="34" charset="0"/>
+              </a:defRPr>
+            </a:lvl9pPr>
+          </a:lstStyle>
+          <a:p>
+            <a:pPr marL="0" marR="0" lvl="0" indent="0" algn="l" defTabSz="914400" rtl="0" eaLnBrk="0" fontAlgn="base" latinLnBrk="0" hangingPunct="0">
+              <a:lnSpc>
+                <a:spcPct val="100000"/>
+              </a:lnSpc>
+              <a:spcBef>
+                <a:spcPct val="0"/>
+              </a:spcBef>
+              <a:spcAft>
+                <a:spcPct val="0"/>
+              </a:spcAft>
+              <a:buClrTx/>
+              <a:buSzTx/>
+              <a:buFontTx/>
+              <a:buNone/>
+              <a:tabLst/>
+            </a:pPr>
+            <a:r>
+              <a:rPr kumimoji="0" lang="en-US" altLang="en-US" sz="3600" b="0" i="0" u="none" strike="noStrike" cap="none" normalizeH="0" baseline="0" dirty="0">
+                <a:ln>
+                  <a:noFill/>
+                </a:ln>
+                <a:solidFill>
+                  <a:srgbClr val="000000"/>
+                </a:solidFill>
+                <a:effectLst/>
+                <a:latin typeface="Molde"/>
+              </a:rPr>
+              <a:t>Creating a folder in particular</a:t>
+            </a:r>
+            <a:r>
+              <a:rPr kumimoji="0" lang="en-US" altLang="en-US" sz="3600" b="0" i="0" u="none" strike="noStrike" cap="none" normalizeH="0" dirty="0">
+                <a:ln>
+                  <a:noFill/>
+                </a:ln>
+                <a:solidFill>
+                  <a:srgbClr val="000000"/>
+                </a:solidFill>
+                <a:effectLst/>
+                <a:latin typeface="Molde"/>
+              </a:rPr>
+              <a:t> </a:t>
+            </a:r>
+            <a:r>
+              <a:rPr kumimoji="0" lang="en-US" altLang="en-US" sz="3600" b="0" i="0" u="none" strike="noStrike" cap="none" normalizeH="0" baseline="0" dirty="0">
+                <a:ln>
+                  <a:noFill/>
+                </a:ln>
+                <a:solidFill>
+                  <a:srgbClr val="00608C"/>
+                </a:solidFill>
+                <a:effectLst/>
+                <a:latin typeface="Molde"/>
+              </a:rPr>
+              <a:t>location </a:t>
+            </a:r>
+            <a:r>
+              <a:rPr kumimoji="0" lang="en-US" altLang="en-US" sz="3600" b="0" i="0" u="none" strike="noStrike" cap="none" normalizeH="0" baseline="0" dirty="0">
+                <a:ln>
+                  <a:noFill/>
+                </a:ln>
+                <a:solidFill>
+                  <a:srgbClr val="000000"/>
+                </a:solidFill>
+                <a:effectLst/>
+                <a:latin typeface="Molde"/>
+              </a:rPr>
+              <a:t>is super simple and you have more than one way to do it. </a:t>
+            </a:r>
+          </a:p>
+          <a:p>
+            <a:pPr marL="0" marR="0" lvl="0" indent="0" algn="l" defTabSz="914400" rtl="0" eaLnBrk="0" fontAlgn="base" latinLnBrk="0" hangingPunct="0">
+              <a:lnSpc>
+                <a:spcPct val="150000"/>
+              </a:lnSpc>
+              <a:spcBef>
+                <a:spcPct val="0"/>
+              </a:spcBef>
+              <a:spcAft>
+                <a:spcPct val="0"/>
+              </a:spcAft>
+              <a:buClrTx/>
+              <a:buSzTx/>
+              <a:buFontTx/>
+              <a:buNone/>
+              <a:tabLst/>
+            </a:pPr>
+            <a:r>
+              <a:rPr kumimoji="0" lang="en-US" altLang="en-US" sz="3600" b="1" i="0" u="none" strike="noStrike" cap="none" normalizeH="0" baseline="0" dirty="0">
+                <a:ln>
+                  <a:noFill/>
+                </a:ln>
+                <a:solidFill>
+                  <a:srgbClr val="000000"/>
+                </a:solidFill>
+                <a:effectLst/>
+                <a:latin typeface="Molde"/>
+              </a:rPr>
+              <a:t>Step 1:</a:t>
+            </a:r>
+            <a:r>
+              <a:rPr kumimoji="0" lang="en-US" altLang="en-US" sz="3600" b="0" i="0" u="none" strike="noStrike" cap="none" normalizeH="0" baseline="0" dirty="0">
+                <a:ln>
+                  <a:noFill/>
+                </a:ln>
+                <a:solidFill>
+                  <a:srgbClr val="000000"/>
+                </a:solidFill>
+                <a:effectLst/>
+                <a:latin typeface="Molde"/>
+              </a:rPr>
+              <a:t> Right-click a blank spot on your desktop, Document,</a:t>
+            </a:r>
+            <a:r>
+              <a:rPr kumimoji="0" lang="en-US" altLang="en-US" sz="3600" b="0" i="0" u="none" strike="noStrike" cap="none" normalizeH="0" dirty="0">
+                <a:ln>
+                  <a:noFill/>
+                </a:ln>
+                <a:solidFill>
+                  <a:srgbClr val="000000"/>
+                </a:solidFill>
+                <a:effectLst/>
+                <a:latin typeface="Molde"/>
+              </a:rPr>
+              <a:t> My computer</a:t>
+            </a:r>
+            <a:endParaRPr kumimoji="0" lang="en-US" altLang="en-US" sz="3600" b="0" i="0" u="none" strike="noStrike" cap="none" normalizeH="0" baseline="0" dirty="0">
+              <a:ln>
+                <a:noFill/>
+              </a:ln>
+              <a:solidFill>
+                <a:srgbClr val="000000"/>
+              </a:solidFill>
+              <a:effectLst/>
+              <a:latin typeface="Molde"/>
+            </a:endParaRPr>
+          </a:p>
+          <a:p>
+            <a:pPr marL="0" marR="0" lvl="0" indent="0" algn="l" defTabSz="914400" rtl="0" eaLnBrk="0" fontAlgn="base" latinLnBrk="0" hangingPunct="0">
+              <a:lnSpc>
+                <a:spcPct val="150000"/>
+              </a:lnSpc>
+              <a:spcBef>
+                <a:spcPct val="0"/>
+              </a:spcBef>
+              <a:spcAft>
+                <a:spcPct val="0"/>
+              </a:spcAft>
+              <a:buClrTx/>
+              <a:buSzTx/>
+              <a:buFontTx/>
+              <a:buNone/>
+              <a:tabLst/>
+            </a:pPr>
+            <a:r>
+              <a:rPr kumimoji="0" lang="en-US" altLang="en-US" sz="3600" b="1" i="0" u="none" strike="noStrike" cap="none" normalizeH="0" baseline="0" dirty="0">
+                <a:ln>
+                  <a:noFill/>
+                </a:ln>
+                <a:solidFill>
+                  <a:srgbClr val="000000"/>
+                </a:solidFill>
+                <a:effectLst/>
+                <a:latin typeface="Molde"/>
+              </a:rPr>
+              <a:t>Step 2:</a:t>
+            </a:r>
+            <a:r>
+              <a:rPr kumimoji="0" lang="en-US" altLang="en-US" sz="3600" b="0" i="0" u="none" strike="noStrike" cap="none" normalizeH="0" baseline="0" dirty="0">
+                <a:ln>
+                  <a:noFill/>
+                </a:ln>
+                <a:solidFill>
+                  <a:srgbClr val="000000"/>
+                </a:solidFill>
+                <a:effectLst/>
+                <a:latin typeface="Molde"/>
+              </a:rPr>
+              <a:t> Move your cursor to </a:t>
+            </a:r>
+            <a:r>
+              <a:rPr kumimoji="0" lang="en-US" altLang="en-US" sz="3600" b="0" i="1" u="none" strike="noStrike" cap="none" normalizeH="0" baseline="0" dirty="0">
+                <a:ln>
+                  <a:noFill/>
+                </a:ln>
+                <a:solidFill>
+                  <a:srgbClr val="000000"/>
+                </a:solidFill>
+                <a:effectLst/>
+                <a:latin typeface="Molde"/>
+              </a:rPr>
+              <a:t>New</a:t>
+            </a:r>
+            <a:r>
+              <a:rPr kumimoji="0" lang="en-US" altLang="en-US" sz="3600" b="0" i="0" u="none" strike="noStrike" cap="none" normalizeH="0" baseline="0" dirty="0">
+                <a:ln>
+                  <a:noFill/>
+                </a:ln>
+                <a:solidFill>
+                  <a:srgbClr val="000000"/>
+                </a:solidFill>
+                <a:effectLst/>
+                <a:latin typeface="Molde"/>
+              </a:rPr>
+              <a:t> in the menu and pick </a:t>
+            </a:r>
+            <a:r>
+              <a:rPr kumimoji="0" lang="en-US" altLang="en-US" sz="3600" b="0" i="1" u="none" strike="noStrike" cap="none" normalizeH="0" baseline="0" dirty="0">
+                <a:ln>
+                  <a:noFill/>
+                </a:ln>
+                <a:solidFill>
+                  <a:srgbClr val="000000"/>
+                </a:solidFill>
+                <a:effectLst/>
+                <a:latin typeface="Molde"/>
+              </a:rPr>
+              <a:t>Folder</a:t>
+            </a:r>
+            <a:r>
+              <a:rPr kumimoji="0" lang="en-US" altLang="en-US" sz="3600" b="0" i="0" u="none" strike="noStrike" cap="none" normalizeH="0" baseline="0" dirty="0">
+                <a:ln>
+                  <a:noFill/>
+                </a:ln>
+                <a:solidFill>
+                  <a:srgbClr val="000000"/>
+                </a:solidFill>
+                <a:effectLst/>
+                <a:latin typeface="Molde"/>
+              </a:rPr>
+              <a:t> in the list</a:t>
+            </a:r>
+            <a:endParaRPr lang="en-US" altLang="en-US" sz="3200" dirty="0"/>
+          </a:p>
+          <a:p>
+            <a:pPr marL="0" marR="0" lvl="0" indent="0" algn="l" defTabSz="914400" rtl="0" eaLnBrk="0" fontAlgn="base" latinLnBrk="0" hangingPunct="0">
+              <a:lnSpc>
+                <a:spcPct val="150000"/>
+              </a:lnSpc>
+              <a:spcBef>
+                <a:spcPct val="0"/>
+              </a:spcBef>
+              <a:spcAft>
+                <a:spcPct val="0"/>
+              </a:spcAft>
+              <a:buClrTx/>
+              <a:buSzTx/>
+              <a:buFontTx/>
+              <a:buNone/>
+              <a:tabLst/>
+            </a:pPr>
+            <a:r>
+              <a:rPr kumimoji="0" lang="en-US" altLang="en-US" sz="3600" b="0" i="0" u="none" strike="noStrike" cap="none" normalizeH="0" baseline="0" dirty="0">
+                <a:ln>
+                  <a:noFill/>
+                </a:ln>
+                <a:solidFill>
+                  <a:srgbClr val="000000"/>
+                </a:solidFill>
+                <a:effectLst/>
+                <a:latin typeface="Molde"/>
+              </a:rPr>
+              <a:t>Step</a:t>
+            </a:r>
+            <a:r>
+              <a:rPr kumimoji="0" lang="en-US" altLang="en-US" sz="3600" b="0" i="0" u="none" strike="noStrike" cap="none" normalizeH="0" dirty="0">
+                <a:ln>
+                  <a:noFill/>
+                </a:ln>
+                <a:solidFill>
+                  <a:srgbClr val="000000"/>
+                </a:solidFill>
+                <a:effectLst/>
+                <a:latin typeface="Molde"/>
+              </a:rPr>
+              <a:t> 3 : Rename folder according to work name </a:t>
+            </a:r>
+            <a:endParaRPr kumimoji="0" lang="en-US" altLang="en-US" sz="3600" b="0" i="0" u="none" strike="noStrike" cap="none" normalizeH="0" baseline="0" dirty="0">
+              <a:ln>
+                <a:noFill/>
+              </a:ln>
+              <a:solidFill>
+                <a:srgbClr val="000000"/>
+              </a:solidFill>
+              <a:effectLst/>
+              <a:latin typeface="Molde"/>
+            </a:endParaRPr>
+          </a:p>
+        </p:txBody>
+      </p:sp>
+    </p:spTree>
+    <p:extLst>
+      <p:ext uri="{BB962C8B-B14F-4D97-AF65-F5344CB8AC3E}">
+        <p14:creationId xmlns:p14="http://schemas.microsoft.com/office/powerpoint/2010/main" val="2254116951"/>
+      </p:ext>
+    </p:extLst>
+  </p:cSld>
+  <p:clrMapOvr>
+    <a:masterClrMapping/>
+  </p:clrMapOvr>
+</p:sld>
+</file>
+
+<file path=ppt/slides/slide24.xml><?xml version="1.0" encoding="utf-8"?>
+<p:sld xmlns:a="http://schemas.openxmlformats.org/drawingml/2006/main" xmlns:r="http://schemas.openxmlformats.org/officeDocument/2006/relationships" xmlns:p="http://schemas.openxmlformats.org/presentationml/2006/main">
+  <p:cSld>
+    <p:spTree>
+      <p:nvGrpSpPr>
+        <p:cNvPr id="1" name=""/>
+        <p:cNvGrpSpPr/>
+        <p:nvPr/>
+      </p:nvGrpSpPr>
+      <p:grpSpPr>
+        <a:xfrm>
+          <a:off x="0" y="0"/>
+          <a:ext cx="0" cy="0"/>
+          <a:chOff x="0" y="0"/>
+          <a:chExt cx="0" cy="0"/>
+        </a:xfrm>
+      </p:grpSpPr>
+      <p:sp>
+        <p:nvSpPr>
+          <p:cNvPr id="4" name="Title 1"/>
+          <p:cNvSpPr>
+            <a:spLocks noGrp="1"/>
+          </p:cNvSpPr>
+          <p:nvPr>
+            <p:ph type="title"/>
+          </p:nvPr>
+        </p:nvSpPr>
+        <p:spPr>
+          <a:xfrm>
+            <a:off x="457200" y="152400"/>
+            <a:ext cx="8229600" cy="639762"/>
+          </a:xfrm>
+        </p:spPr>
+        <p:txBody>
+          <a:bodyPr>
+            <a:normAutofit fontScale="90000"/>
+          </a:bodyPr>
+          <a:lstStyle/>
+          <a:p>
+            <a:r>
+              <a:rPr lang="en-US" b="1" u="sng" dirty="0"/>
+              <a:t>Folder Creation steps </a:t>
+            </a:r>
+          </a:p>
+        </p:txBody>
+      </p:sp>
+      <p:pic>
+        <p:nvPicPr>
+          <p:cNvPr id="3" name="Picture 2" descr="New, Folder in the Windows desktop shortcut menu.">
+            <a:extLst>
+              <a:ext uri="{FF2B5EF4-FFF2-40B4-BE49-F238E27FC236}">
+                <a16:creationId xmlns:a16="http://schemas.microsoft.com/office/drawing/2014/main" id="{9265CEA1-B97D-3A86-F82E-4F44E0E42DAC}"/>
+              </a:ext>
+            </a:extLst>
+          </p:cNvPr>
+          <p:cNvPicPr>
+            <a:picLocks noChangeAspect="1" noChangeArrowheads="1"/>
+          </p:cNvPicPr>
+          <p:nvPr/>
+        </p:nvPicPr>
+        <p:blipFill>
+          <a:blip r:embed="rId3">
+            <a:extLst>
+              <a:ext uri="{28A0092B-C50C-407E-A947-70E740481C1C}">
+                <a14:useLocalDpi xmlns:a14="http://schemas.microsoft.com/office/drawing/2010/main" val="0"/>
+              </a:ext>
+            </a:extLst>
+          </a:blip>
+          <a:srcRect/>
+          <a:stretch>
+            <a:fillRect/>
+          </a:stretch>
+        </p:blipFill>
+        <p:spPr bwMode="auto">
+          <a:xfrm>
+            <a:off x="647700" y="1219200"/>
+            <a:ext cx="7886700" cy="5257801"/>
+          </a:xfrm>
+          <a:prstGeom prst="rect">
+            <a:avLst/>
+          </a:prstGeom>
+          <a:noFill/>
+          <a:extLst>
+            <a:ext uri="{909E8E84-426E-40DD-AFC4-6F175D3DCCD1}">
+              <a14:hiddenFill xmlns:a14="http://schemas.microsoft.com/office/drawing/2010/main">
+                <a:solidFill>
+                  <a:srgbClr val="FFFFFF"/>
+                </a:solidFill>
+              </a14:hiddenFill>
+            </a:ext>
+          </a:extLst>
+        </p:spPr>
+      </p:pic>
+    </p:spTree>
+    <p:extLst>
+      <p:ext uri="{BB962C8B-B14F-4D97-AF65-F5344CB8AC3E}">
+        <p14:creationId xmlns:p14="http://schemas.microsoft.com/office/powerpoint/2010/main" val="1908793236"/>
       </p:ext>
     </p:extLst>
   </p:cSld>
